--- a/夏休みにやること.pptx
+++ b/夏休みにやること.pptx
@@ -5,15 +5,19 @@
     <p:sldMasterId id="2147483648" r:id="rId1"/>
   </p:sldMasterIdLst>
   <p:notesMasterIdLst>
-    <p:notesMasterId r:id="rId6"/>
+    <p:notesMasterId r:id="rId10"/>
   </p:notesMasterIdLst>
   <p:handoutMasterIdLst>
-    <p:handoutMasterId r:id="rId7"/>
+    <p:handoutMasterId r:id="rId11"/>
   </p:handoutMasterIdLst>
   <p:sldIdLst>
     <p:sldId id="256" r:id="rId3"/>
     <p:sldId id="257" r:id="rId4"/>
     <p:sldId id="258" r:id="rId5"/>
+    <p:sldId id="259" r:id="rId6"/>
+    <p:sldId id="260" r:id="rId7"/>
+    <p:sldId id="261" r:id="rId8"/>
+    <p:sldId id="262" r:id="rId9"/>
   </p:sldIdLst>
   <p:sldSz cx="12192000" cy="6858000"/>
   <p:notesSz cx="7103745" cy="10234295"/>
@@ -3557,7 +3561,7 @@
           <a:p>
             <a:r>
               <a:rPr lang="ja-JP" altLang="zh-CN"/>
-              <a:t>夏休みにやること</a:t>
+              <a:t>夏休みにやったこと</a:t>
             </a:r>
             <a:endParaRPr lang="ja-JP" altLang="zh-CN"/>
           </a:p>
@@ -3814,6 +3818,10 @@
             <a:pPr marL="0" indent="0" algn="l">
               <a:buNone/>
             </a:pPr>
+            <a:r>
+              <a:rPr lang="ja-JP" altLang="en-US" sz="2400"/>
+              <a:t>　</a:t>
+            </a:r>
             <a:endParaRPr lang="ja-JP" altLang="en-US" sz="2400"/>
           </a:p>
           <a:p>
@@ -3868,6 +3876,808 @@
               <a:rPr lang="ja-JP" altLang="en-US" sz="2400"/>
               <a:t>　今手元にある画像、サンプル画像で分類を行ってみる</a:t>
             </a:r>
+            <a:endParaRPr lang="ja-JP" altLang="en-US" sz="2400"/>
+          </a:p>
+        </p:txBody>
+      </p:sp>
+    </p:spTree>
+  </p:cSld>
+  <p:clrMapOvr>
+    <a:masterClrMapping/>
+  </p:clrMapOvr>
+</p:sld>
+</file>
+
+<file path=ppt/slides/slide4.xml><?xml version="1.0" encoding="utf-8"?>
+<p:sld xmlns:a="http://schemas.openxmlformats.org/drawingml/2006/main" xmlns:r="http://schemas.openxmlformats.org/officeDocument/2006/relationships" xmlns:p="http://schemas.openxmlformats.org/presentationml/2006/main">
+  <p:cSld>
+    <p:spTree>
+      <p:nvGrpSpPr>
+        <p:cNvPr id="1" name=""/>
+        <p:cNvGrpSpPr/>
+        <p:nvPr/>
+      </p:nvGrpSpPr>
+      <p:grpSpPr/>
+      <p:sp>
+        <p:nvSpPr>
+          <p:cNvPr id="2" name="Title 1"/>
+          <p:cNvSpPr>
+            <a:spLocks noGrp="1"/>
+          </p:cNvSpPr>
+          <p:nvPr>
+            <p:ph type="title"/>
+          </p:nvPr>
+        </p:nvSpPr>
+        <p:spPr/>
+        <p:txBody>
+          <a:bodyPr/>
+          <a:p>
+            <a:r>
+              <a:rPr lang="ja-JP" altLang="en-US" sz="3600">
+                <a:sym typeface="+mn-ea"/>
+              </a:rPr>
+              <a:t>夏休みにやったこと（１）</a:t>
+            </a:r>
+            <a:endParaRPr lang="ja-JP" altLang="en-US" sz="3600">
+              <a:sym typeface="+mn-ea"/>
+            </a:endParaRPr>
+          </a:p>
+        </p:txBody>
+      </p:sp>
+      <p:sp>
+        <p:nvSpPr>
+          <p:cNvPr id="3" name="Content Placeholder 2"/>
+          <p:cNvSpPr>
+            <a:spLocks noGrp="1"/>
+          </p:cNvSpPr>
+          <p:nvPr>
+            <p:ph idx="1"/>
+          </p:nvPr>
+        </p:nvSpPr>
+        <p:spPr>
+          <a:xfrm>
+            <a:off x="647700" y="1825625"/>
+            <a:ext cx="10723245" cy="4351655"/>
+          </a:xfrm>
+        </p:spPr>
+        <p:txBody>
+          <a:bodyPr/>
+          <a:p>
+            <a:pPr marL="0" indent="0">
+              <a:buNone/>
+            </a:pPr>
+            <a:r>
+              <a:rPr lang="ja-JP" altLang="en-US" sz="2400" b="1">
+                <a:sym typeface="+mn-ea"/>
+              </a:rPr>
+              <a:t>まだ画像の依頼をしていない工場に電話をする</a:t>
+            </a:r>
+            <a:endParaRPr lang="ja-JP" altLang="en-US" sz="2400" b="1">
+              <a:sym typeface="+mn-ea"/>
+            </a:endParaRPr>
+          </a:p>
+          <a:p>
+            <a:pPr marL="0" indent="0">
+              <a:buNone/>
+            </a:pPr>
+            <a:endParaRPr lang="ja-JP" altLang="en-US" sz="2400">
+              <a:sym typeface="+mn-ea"/>
+            </a:endParaRPr>
+          </a:p>
+          <a:p>
+            <a:pPr marL="0" indent="0">
+              <a:buNone/>
+            </a:pPr>
+            <a:r>
+              <a:rPr lang="ja-JP" altLang="en-US" sz="2400">
+                <a:sym typeface="+mn-ea"/>
+              </a:rPr>
+              <a:t>現在：北海道の工場は依頼済</a:t>
+            </a:r>
+            <a:endParaRPr lang="ja-JP" altLang="en-US" sz="2400">
+              <a:sym typeface="+mn-ea"/>
+            </a:endParaRPr>
+          </a:p>
+          <a:p>
+            <a:pPr marL="0" indent="0">
+              <a:buNone/>
+            </a:pPr>
+            <a:r>
+              <a:rPr lang="ja-JP" altLang="en-US" sz="2400">
+                <a:sym typeface="+mn-ea"/>
+              </a:rPr>
+              <a:t>　　　手元にあるデータは４００枚ほど</a:t>
+            </a:r>
+            <a:endParaRPr lang="ja-JP" altLang="en-US" sz="2400">
+              <a:sym typeface="+mn-ea"/>
+            </a:endParaRPr>
+          </a:p>
+          <a:p>
+            <a:pPr marL="0" indent="0">
+              <a:buNone/>
+            </a:pPr>
+            <a:endParaRPr lang="ja-JP" altLang="en-US" sz="2400">
+              <a:sym typeface="+mn-ea"/>
+            </a:endParaRPr>
+          </a:p>
+          <a:p>
+            <a:pPr marL="0" indent="0">
+              <a:buNone/>
+            </a:pPr>
+            <a:r>
+              <a:rPr lang="en-US" altLang="ja-JP" sz="2400">
+                <a:sym typeface="+mn-ea"/>
+              </a:rPr>
+              <a:t>※</a:t>
+            </a:r>
+            <a:r>
+              <a:rPr lang="ja-JP" altLang="en-US" sz="2400">
+                <a:sym typeface="+mn-ea"/>
+              </a:rPr>
+              <a:t>現在のデータ数よりも多くデータをもらえる工場がある場合</a:t>
+            </a:r>
+            <a:endParaRPr lang="ja-JP" altLang="en-US" sz="2400">
+              <a:sym typeface="+mn-ea"/>
+            </a:endParaRPr>
+          </a:p>
+          <a:p>
+            <a:pPr marL="0" indent="0">
+              <a:buNone/>
+            </a:pPr>
+            <a:endParaRPr lang="ja-JP" altLang="en-US" sz="2400">
+              <a:sym typeface="+mn-ea"/>
+            </a:endParaRPr>
+          </a:p>
+          <a:p>
+            <a:pPr marL="0" indent="0">
+              <a:buNone/>
+            </a:pPr>
+            <a:endParaRPr lang="ja-JP" altLang="en-US" sz="2400">
+              <a:sym typeface="+mn-ea"/>
+            </a:endParaRPr>
+          </a:p>
+          <a:p>
+            <a:pPr marL="0" indent="0">
+              <a:buNone/>
+            </a:pPr>
+            <a:r>
+              <a:rPr lang="ja-JP" altLang="en-US" sz="2400" b="1"/>
+              <a:t>青森県にある工場すべてに依頼をしたのですが、どの企業も難しいとのこと</a:t>
+            </a:r>
+            <a:endParaRPr lang="ja-JP" altLang="en-US" sz="2400" b="1"/>
+          </a:p>
+          <a:p>
+            <a:pPr marL="0" indent="0">
+              <a:buNone/>
+            </a:pPr>
+            <a:endParaRPr lang="ja-JP" altLang="en-US" sz="2400" b="1"/>
+          </a:p>
+        </p:txBody>
+      </p:sp>
+      <p:sp>
+        <p:nvSpPr>
+          <p:cNvPr id="4" name="Down Arrow 3"/>
+          <p:cNvSpPr/>
+          <p:nvPr/>
+        </p:nvSpPr>
+        <p:spPr>
+          <a:xfrm>
+            <a:off x="5544820" y="4747260"/>
+            <a:ext cx="929005" cy="580390"/>
+          </a:xfrm>
+          <a:prstGeom prst="downArrow">
+            <a:avLst/>
+          </a:prstGeom>
+        </p:spPr>
+        <p:style>
+          <a:lnRef idx="2">
+            <a:schemeClr val="accent1">
+              <a:shade val="50000"/>
+            </a:schemeClr>
+          </a:lnRef>
+          <a:fillRef idx="1">
+            <a:schemeClr val="accent1"/>
+          </a:fillRef>
+          <a:effectRef idx="0">
+            <a:schemeClr val="accent1"/>
+          </a:effectRef>
+          <a:fontRef idx="minor">
+            <a:schemeClr val="lt1"/>
+          </a:fontRef>
+        </p:style>
+        <p:txBody>
+          <a:bodyPr rtlCol="0" anchor="ctr"/>
+          <a:p>
+            <a:pPr algn="ctr"/>
+            <a:endParaRPr lang="en-US"/>
+          </a:p>
+        </p:txBody>
+      </p:sp>
+    </p:spTree>
+  </p:cSld>
+  <p:clrMapOvr>
+    <a:masterClrMapping/>
+  </p:clrMapOvr>
+</p:sld>
+</file>
+
+<file path=ppt/slides/slide5.xml><?xml version="1.0" encoding="utf-8"?>
+<p:sld xmlns:a="http://schemas.openxmlformats.org/drawingml/2006/main" xmlns:r="http://schemas.openxmlformats.org/officeDocument/2006/relationships" xmlns:p="http://schemas.openxmlformats.org/presentationml/2006/main">
+  <p:cSld>
+    <p:spTree>
+      <p:nvGrpSpPr>
+        <p:cNvPr id="1" name=""/>
+        <p:cNvGrpSpPr/>
+        <p:nvPr/>
+      </p:nvGrpSpPr>
+      <p:grpSpPr/>
+      <p:sp>
+        <p:nvSpPr>
+          <p:cNvPr id="2" name="Title 1"/>
+          <p:cNvSpPr>
+            <a:spLocks noGrp="1"/>
+          </p:cNvSpPr>
+          <p:nvPr>
+            <p:ph type="title"/>
+          </p:nvPr>
+        </p:nvSpPr>
+        <p:spPr/>
+        <p:txBody>
+          <a:bodyPr/>
+          <a:p>
+            <a:r>
+              <a:rPr lang="ja-JP" altLang="en-US" sz="3600">
+                <a:sym typeface="+mn-ea"/>
+              </a:rPr>
+              <a:t>夏休みにやったこと（２）</a:t>
+            </a:r>
+            <a:endParaRPr lang="ja-JP" altLang="en-US" sz="3600">
+              <a:sym typeface="+mn-ea"/>
+            </a:endParaRPr>
+          </a:p>
+        </p:txBody>
+      </p:sp>
+      <p:sp>
+        <p:nvSpPr>
+          <p:cNvPr id="3" name="Content Placeholder 2"/>
+          <p:cNvSpPr>
+            <a:spLocks noGrp="1"/>
+          </p:cNvSpPr>
+          <p:nvPr>
+            <p:ph idx="1"/>
+          </p:nvPr>
+        </p:nvSpPr>
+        <p:spPr>
+          <a:xfrm>
+            <a:off x="647700" y="1825625"/>
+            <a:ext cx="10749280" cy="4351655"/>
+          </a:xfrm>
+        </p:spPr>
+        <p:txBody>
+          <a:bodyPr>
+            <a:normAutofit lnSpcReduction="10000"/>
+          </a:bodyPr>
+          <a:p>
+            <a:pPr marL="0" indent="0">
+              <a:buNone/>
+            </a:pPr>
+            <a:r>
+              <a:rPr lang="ja-JP" altLang="en-US" sz="2400" b="1">
+                <a:sym typeface="+mn-ea"/>
+              </a:rPr>
+              <a:t>今手元にある画像データにラベル付けを行う</a:t>
+            </a:r>
+            <a:endParaRPr lang="ja-JP" altLang="en-US" sz="2400" b="1"/>
+          </a:p>
+          <a:p>
+            <a:pPr marL="0" indent="0">
+              <a:buNone/>
+            </a:pPr>
+            <a:endParaRPr lang="ja-JP" altLang="en-US" sz="2400">
+              <a:sym typeface="+mn-ea"/>
+            </a:endParaRPr>
+          </a:p>
+          <a:p>
+            <a:pPr marL="0" indent="0">
+              <a:buNone/>
+            </a:pPr>
+            <a:r>
+              <a:rPr lang="ja-JP" altLang="en-US" sz="2400">
+                <a:sym typeface="+mn-ea"/>
+              </a:rPr>
+              <a:t>方法：実際の工場で格付けしている人にラベル付けをしてもらう</a:t>
+            </a:r>
+            <a:endParaRPr lang="ja-JP" altLang="en-US" sz="2400">
+              <a:sym typeface="+mn-ea"/>
+            </a:endParaRPr>
+          </a:p>
+          <a:p>
+            <a:pPr marL="0" indent="0">
+              <a:buNone/>
+            </a:pPr>
+            <a:endParaRPr lang="ja-JP" altLang="en-US" sz="2400">
+              <a:sym typeface="+mn-ea"/>
+            </a:endParaRPr>
+          </a:p>
+          <a:p>
+            <a:pPr marL="0" indent="0">
+              <a:buNone/>
+            </a:pPr>
+            <a:r>
+              <a:rPr lang="en-US" altLang="ja-JP" sz="2400">
+                <a:sym typeface="+mn-ea"/>
+              </a:rPr>
+              <a:t>※</a:t>
+            </a:r>
+            <a:r>
+              <a:rPr lang="ja-JP" altLang="en-US" sz="2400">
+                <a:sym typeface="+mn-ea"/>
+              </a:rPr>
+              <a:t>これは時間や日程にもよるので、最悪の場合後回しになってしまうかも</a:t>
+            </a:r>
+            <a:endParaRPr lang="ja-JP" altLang="en-US" sz="2400">
+              <a:sym typeface="+mn-ea"/>
+            </a:endParaRPr>
+          </a:p>
+          <a:p>
+            <a:pPr marL="0" indent="0">
+              <a:buNone/>
+            </a:pPr>
+            <a:endParaRPr lang="ja-JP" altLang="en-US" sz="2400"/>
+          </a:p>
+          <a:p>
+            <a:endParaRPr lang="ja-JP" altLang="en-US" sz="2400"/>
+          </a:p>
+          <a:p>
+            <a:endParaRPr lang="ja-JP" altLang="en-US" sz="2400"/>
+          </a:p>
+          <a:p>
+            <a:pPr marL="0" indent="0">
+              <a:buNone/>
+            </a:pPr>
+            <a:r>
+              <a:rPr lang="ja-JP" altLang="en-US" sz="2400" b="1"/>
+              <a:t>提供していただいた画像の内、半分はラベル付けをしてもらうことができた</a:t>
+            </a:r>
+            <a:endParaRPr lang="ja-JP" altLang="en-US" sz="2400" b="1"/>
+          </a:p>
+          <a:p>
+            <a:pPr marL="0" indent="0">
+              <a:buNone/>
+            </a:pPr>
+            <a:r>
+              <a:rPr lang="en-US" altLang="ja-JP" sz="2400" b="1"/>
+              <a:t>※</a:t>
+            </a:r>
+            <a:r>
+              <a:rPr lang="ja-JP" altLang="en-US" sz="2400" b="1"/>
+              <a:t>残りはまた後日、日程を合わせて行ってもらう</a:t>
+            </a:r>
+            <a:endParaRPr lang="ja-JP" altLang="en-US" sz="2400" b="1"/>
+          </a:p>
+        </p:txBody>
+      </p:sp>
+      <p:sp>
+        <p:nvSpPr>
+          <p:cNvPr id="4" name="Down Arrow 3"/>
+          <p:cNvSpPr/>
+          <p:nvPr/>
+        </p:nvSpPr>
+        <p:spPr>
+          <a:xfrm>
+            <a:off x="5453380" y="4182745"/>
+            <a:ext cx="1284605" cy="788035"/>
+          </a:xfrm>
+          <a:prstGeom prst="downArrow">
+            <a:avLst/>
+          </a:prstGeom>
+        </p:spPr>
+        <p:style>
+          <a:lnRef idx="2">
+            <a:schemeClr val="accent1">
+              <a:shade val="50000"/>
+            </a:schemeClr>
+          </a:lnRef>
+          <a:fillRef idx="1">
+            <a:schemeClr val="accent1"/>
+          </a:fillRef>
+          <a:effectRef idx="0">
+            <a:schemeClr val="accent1"/>
+          </a:effectRef>
+          <a:fontRef idx="minor">
+            <a:schemeClr val="lt1"/>
+          </a:fontRef>
+        </p:style>
+        <p:txBody>
+          <a:bodyPr rtlCol="0" anchor="ctr"/>
+          <a:p>
+            <a:pPr algn="ctr"/>
+            <a:endParaRPr lang="en-US"/>
+          </a:p>
+        </p:txBody>
+      </p:sp>
+    </p:spTree>
+  </p:cSld>
+  <p:clrMapOvr>
+    <a:masterClrMapping/>
+  </p:clrMapOvr>
+</p:sld>
+</file>
+
+<file path=ppt/slides/slide6.xml><?xml version="1.0" encoding="utf-8"?>
+<p:sld xmlns:a="http://schemas.openxmlformats.org/drawingml/2006/main" xmlns:r="http://schemas.openxmlformats.org/officeDocument/2006/relationships" xmlns:p="http://schemas.openxmlformats.org/presentationml/2006/main">
+  <p:cSld>
+    <p:spTree>
+      <p:nvGrpSpPr>
+        <p:cNvPr id="1" name=""/>
+        <p:cNvGrpSpPr/>
+        <p:nvPr/>
+      </p:nvGrpSpPr>
+      <p:grpSpPr/>
+      <p:sp>
+        <p:nvSpPr>
+          <p:cNvPr id="2" name="Title 1"/>
+          <p:cNvSpPr>
+            <a:spLocks noGrp="1"/>
+          </p:cNvSpPr>
+          <p:nvPr>
+            <p:ph type="title"/>
+          </p:nvPr>
+        </p:nvSpPr>
+        <p:spPr/>
+        <p:txBody>
+          <a:bodyPr/>
+          <a:p>
+            <a:r>
+              <a:rPr lang="ja-JP" altLang="en-US" sz="3600">
+                <a:sym typeface="+mn-ea"/>
+              </a:rPr>
+              <a:t>夏休みにやったこと（３）</a:t>
+            </a:r>
+            <a:endParaRPr lang="ja-JP" altLang="en-US" sz="3600">
+              <a:sym typeface="+mn-ea"/>
+            </a:endParaRPr>
+          </a:p>
+        </p:txBody>
+      </p:sp>
+      <p:sp>
+        <p:nvSpPr>
+          <p:cNvPr id="3" name="Content Placeholder 2"/>
+          <p:cNvSpPr>
+            <a:spLocks noGrp="1"/>
+          </p:cNvSpPr>
+          <p:nvPr>
+            <p:ph idx="1"/>
+          </p:nvPr>
+        </p:nvSpPr>
+        <p:spPr/>
+        <p:txBody>
+          <a:bodyPr/>
+          <a:p>
+            <a:pPr marL="0" indent="0">
+              <a:buNone/>
+            </a:pPr>
+            <a:r>
+              <a:rPr lang="ja-JP" altLang="en-US" sz="2400" b="1">
+                <a:sym typeface="+mn-ea"/>
+              </a:rPr>
+              <a:t>多クラス分類の手法を書籍や文献を使って勉強する</a:t>
+            </a:r>
+            <a:endParaRPr lang="ja-JP" altLang="en-US" sz="2400" b="1">
+              <a:sym typeface="+mn-ea"/>
+            </a:endParaRPr>
+          </a:p>
+          <a:p>
+            <a:pPr marL="0" indent="0">
+              <a:buNone/>
+            </a:pPr>
+            <a:endParaRPr lang="ja-JP" altLang="en-US" sz="2400" b="1">
+              <a:sym typeface="+mn-ea"/>
+            </a:endParaRPr>
+          </a:p>
+          <a:p>
+            <a:pPr marL="0" indent="0">
+              <a:buNone/>
+            </a:pPr>
+            <a:endParaRPr lang="ja-JP" altLang="en-US" sz="2400"/>
+          </a:p>
+          <a:p>
+            <a:endParaRPr lang="ja-JP" altLang="en-US" sz="2400"/>
+          </a:p>
+        </p:txBody>
+      </p:sp>
+      <p:pic>
+        <p:nvPicPr>
+          <p:cNvPr id="9" name="Picture 8"/>
+          <p:cNvPicPr>
+            <a:picLocks noChangeAspect="1"/>
+          </p:cNvPicPr>
+          <p:nvPr/>
+        </p:nvPicPr>
+        <p:blipFill>
+          <a:blip r:embed="rId1"/>
+          <a:stretch>
+            <a:fillRect/>
+          </a:stretch>
+        </p:blipFill>
+        <p:spPr>
+          <a:xfrm>
+            <a:off x="756285" y="2525395"/>
+            <a:ext cx="2311400" cy="2951480"/>
+          </a:xfrm>
+          <a:prstGeom prst="rect">
+            <a:avLst/>
+          </a:prstGeom>
+        </p:spPr>
+      </p:pic>
+      <p:sp>
+        <p:nvSpPr>
+          <p:cNvPr id="10" name="Text Box 9"/>
+          <p:cNvSpPr txBox="1"/>
+          <p:nvPr/>
+        </p:nvSpPr>
+        <p:spPr>
+          <a:xfrm>
+            <a:off x="639445" y="5594350"/>
+            <a:ext cx="2545080" cy="645160"/>
+          </a:xfrm>
+          <a:prstGeom prst="rect">
+            <a:avLst/>
+          </a:prstGeom>
+          <a:noFill/>
+        </p:spPr>
+        <p:txBody>
+          <a:bodyPr wrap="none" rtlCol="0">
+            <a:spAutoFit/>
+          </a:bodyPr>
+          <a:p>
+            <a:pPr algn="l"/>
+            <a:r>
+              <a:rPr lang="en-US"/>
+              <a:t>scikit-learnとTensorFlow</a:t>
+            </a:r>
+            <a:endParaRPr lang="en-US"/>
+          </a:p>
+          <a:p>
+            <a:pPr algn="l"/>
+            <a:r>
+              <a:rPr lang="en-US"/>
+              <a:t>による実践機械学習</a:t>
+            </a:r>
+            <a:endParaRPr lang="en-US"/>
+          </a:p>
+        </p:txBody>
+      </p:sp>
+      <p:sp>
+        <p:nvSpPr>
+          <p:cNvPr id="6" name="Text Box 5"/>
+          <p:cNvSpPr txBox="1"/>
+          <p:nvPr/>
+        </p:nvSpPr>
+        <p:spPr>
+          <a:xfrm>
+            <a:off x="3376930" y="2525395"/>
+            <a:ext cx="7786370" cy="3169285"/>
+          </a:xfrm>
+          <a:prstGeom prst="rect">
+            <a:avLst/>
+          </a:prstGeom>
+          <a:noFill/>
+        </p:spPr>
+        <p:txBody>
+          <a:bodyPr wrap="square" rtlCol="0">
+            <a:spAutoFit/>
+          </a:bodyPr>
+          <a:p>
+            <a:r>
+              <a:rPr lang="ja-JP" altLang="en-US" sz="2000"/>
+              <a:t>畳み込みニューラルネットワーク</a:t>
+            </a:r>
+            <a:endParaRPr lang="ja-JP" altLang="en-US" sz="2000"/>
+          </a:p>
+          <a:p>
+            <a:r>
+              <a:rPr lang="ja-JP" altLang="en-US" sz="2000"/>
+              <a:t>・畳み込み層</a:t>
+            </a:r>
+            <a:endParaRPr lang="ja-JP" altLang="en-US" sz="2000"/>
+          </a:p>
+          <a:p>
+            <a:r>
+              <a:rPr lang="ja-JP" altLang="en-US" sz="2000"/>
+              <a:t>・フィルタ</a:t>
+            </a:r>
+            <a:endParaRPr lang="ja-JP" altLang="en-US" sz="2000"/>
+          </a:p>
+          <a:p>
+            <a:r>
+              <a:rPr lang="ja-JP" altLang="en-US" sz="2000"/>
+              <a:t>・プーリング</a:t>
+            </a:r>
+            <a:endParaRPr lang="ja-JP" altLang="en-US" sz="2000"/>
+          </a:p>
+          <a:p>
+            <a:endParaRPr lang="ja-JP" altLang="en-US" sz="2000"/>
+          </a:p>
+          <a:p>
+            <a:r>
+              <a:rPr lang="en-US" altLang="ja-JP" sz="2000"/>
+              <a:t>CNN</a:t>
+            </a:r>
+            <a:r>
+              <a:rPr lang="ja-JP" altLang="en-US" sz="2000"/>
+              <a:t>の実装　</a:t>
+            </a:r>
+            <a:endParaRPr lang="ja-JP" altLang="en-US" sz="2000"/>
+          </a:p>
+          <a:p>
+            <a:r>
+              <a:rPr lang="en-US" altLang="ja-JP" sz="2000"/>
+              <a:t>※</a:t>
+            </a:r>
+            <a:r>
+              <a:rPr lang="ja-JP" altLang="en-US" sz="2000"/>
+              <a:t>ラベル付けが完了していないため、サンプルデータで行った</a:t>
+            </a:r>
+            <a:endParaRPr lang="ja-JP" altLang="en-US" sz="2000"/>
+          </a:p>
+          <a:p>
+            <a:endParaRPr lang="ja-JP" altLang="en-US" sz="2000"/>
+          </a:p>
+          <a:p>
+            <a:r>
+              <a:rPr lang="ja-JP" altLang="en-US" sz="2000"/>
+              <a:t>ランダムフォレストの実装</a:t>
+            </a:r>
+            <a:endParaRPr lang="ja-JP" altLang="en-US" sz="2000"/>
+          </a:p>
+          <a:p>
+            <a:r>
+              <a:rPr lang="en-US" altLang="ja-JP" sz="2000"/>
+              <a:t>※</a:t>
+            </a:r>
+            <a:r>
+              <a:rPr lang="ja-JP" altLang="en-US" sz="2000"/>
+              <a:t>こちらもサンプルデータで行った</a:t>
+            </a:r>
+            <a:endParaRPr lang="ja-JP" altLang="en-US" sz="2000"/>
+          </a:p>
+        </p:txBody>
+      </p:sp>
+    </p:spTree>
+  </p:cSld>
+  <p:clrMapOvr>
+    <a:masterClrMapping/>
+  </p:clrMapOvr>
+</p:sld>
+</file>
+
+<file path=ppt/slides/slide7.xml><?xml version="1.0" encoding="utf-8"?>
+<p:sld xmlns:a="http://schemas.openxmlformats.org/drawingml/2006/main" xmlns:r="http://schemas.openxmlformats.org/officeDocument/2006/relationships" xmlns:p="http://schemas.openxmlformats.org/presentationml/2006/main">
+  <p:cSld>
+    <p:spTree>
+      <p:nvGrpSpPr>
+        <p:cNvPr id="1" name=""/>
+        <p:cNvGrpSpPr/>
+        <p:nvPr/>
+      </p:nvGrpSpPr>
+      <p:grpSpPr/>
+      <p:sp>
+        <p:nvSpPr>
+          <p:cNvPr id="2" name="Title 1"/>
+          <p:cNvSpPr>
+            <a:spLocks noGrp="1"/>
+          </p:cNvSpPr>
+          <p:nvPr>
+            <p:ph type="title"/>
+          </p:nvPr>
+        </p:nvSpPr>
+        <p:spPr/>
+        <p:txBody>
+          <a:bodyPr/>
+          <a:p>
+            <a:r>
+              <a:rPr lang="ja-JP" altLang="en-US" sz="3600">
+                <a:sym typeface="+mn-ea"/>
+              </a:rPr>
+              <a:t>今後やっていくこと</a:t>
+            </a:r>
+            <a:endParaRPr lang="ja-JP" altLang="en-US" sz="3600">
+              <a:sym typeface="+mn-ea"/>
+            </a:endParaRPr>
+          </a:p>
+        </p:txBody>
+      </p:sp>
+      <p:sp>
+        <p:nvSpPr>
+          <p:cNvPr id="3" name="Content Placeholder 2"/>
+          <p:cNvSpPr>
+            <a:spLocks noGrp="1"/>
+          </p:cNvSpPr>
+          <p:nvPr>
+            <p:ph idx="1"/>
+          </p:nvPr>
+        </p:nvSpPr>
+        <p:spPr/>
+        <p:txBody>
+          <a:bodyPr/>
+          <a:p>
+            <a:pPr marL="457200" indent="-457200">
+              <a:buFont typeface="+mj-lt"/>
+              <a:buAutoNum type="arabicPeriod"/>
+            </a:pPr>
+            <a:r>
+              <a:rPr lang="ja-JP" altLang="en-US" sz="2400"/>
+              <a:t>引き続き文献や書籍を使って勉強をする</a:t>
+            </a:r>
+            <a:endParaRPr lang="ja-JP" altLang="en-US" sz="2400"/>
+          </a:p>
+          <a:p>
+            <a:pPr marL="457200" indent="-457200">
+              <a:buFont typeface="+mj-lt"/>
+              <a:buAutoNum type="arabicPeriod"/>
+            </a:pPr>
+            <a:endParaRPr lang="ja-JP" altLang="en-US" sz="2400"/>
+          </a:p>
+          <a:p>
+            <a:pPr marL="457200" indent="-457200">
+              <a:buFont typeface="+mj-lt"/>
+              <a:buAutoNum type="arabicPeriod"/>
+            </a:pPr>
+            <a:r>
+              <a:rPr lang="en-US" altLang="ja-JP" sz="2400"/>
+              <a:t>CNN</a:t>
+            </a:r>
+            <a:r>
+              <a:rPr lang="ja-JP" altLang="en-US" sz="2400"/>
+              <a:t>の実装を期末報告書までに完了させる</a:t>
+            </a:r>
+            <a:endParaRPr lang="ja-JP" altLang="en-US" sz="2400"/>
+          </a:p>
+          <a:p>
+            <a:pPr marL="457200" indent="-457200">
+              <a:buFont typeface="+mj-lt"/>
+              <a:buAutoNum type="arabicPeriod"/>
+            </a:pPr>
+            <a:endParaRPr lang="ja-JP" altLang="en-US" sz="2400"/>
+          </a:p>
+          <a:p>
+            <a:pPr marL="457200" indent="-457200">
+              <a:buFont typeface="+mj-lt"/>
+              <a:buAutoNum type="arabicPeriod"/>
+            </a:pPr>
+            <a:r>
+              <a:rPr lang="en-US" altLang="ja-JP" sz="2400"/>
+              <a:t>2. </a:t>
+            </a:r>
+            <a:r>
+              <a:rPr lang="ja-JP" altLang="en-US" sz="2400"/>
+              <a:t>が完了したら一通りの工程を実データで行ってみる</a:t>
+            </a:r>
+            <a:endParaRPr lang="ja-JP" altLang="en-US" sz="2400"/>
+          </a:p>
+          <a:p>
+            <a:pPr marL="457200" indent="-457200">
+              <a:buFont typeface="+mj-lt"/>
+              <a:buAutoNum type="arabicPeriod"/>
+            </a:pPr>
+            <a:endParaRPr lang="ja-JP" altLang="en-US" sz="2400"/>
+          </a:p>
+          <a:p>
+            <a:pPr marL="457200" indent="-457200">
+              <a:buFont typeface="+mj-lt"/>
+              <a:buAutoNum type="arabicPeriod"/>
+            </a:pPr>
+            <a:r>
+              <a:rPr lang="ja-JP" altLang="en-US" sz="2400"/>
+              <a:t>期末報告書を進める（来週には仮提出できるようにしたい）</a:t>
+            </a:r>
+            <a:endParaRPr lang="ja-JP" altLang="en-US" sz="2400"/>
+          </a:p>
+          <a:p>
+            <a:pPr marL="0" indent="0">
+              <a:buNone/>
+            </a:pPr>
             <a:endParaRPr lang="ja-JP" altLang="en-US" sz="2400"/>
           </a:p>
         </p:txBody>
